--- a/presentationPoster.pptx
+++ b/presentationPoster.pptx
@@ -1826,13 +1826,8 @@
           <a:p>
             <a:r>
               <a:rPr lang="en-US" sz="4400" dirty="0"/>
-              <a:t>I acquired a dataset published from a Portuguese high school that acquired data regarding that student’s attendance, their trimester grades, how many classes they failed, and  how much alcohol they consumed. It further cataloged personal information such as age, sex, parental education, and more. My goal is to see if, using alcohol consumption and absences, if I can predict if a student can fail. Many of these features are self reported scales 1-5, resulting in slightly inconsistent data which may explain </a:t>
-            </a:r>
-            <a:r>
-              <a:rPr lang="en-US" sz="4400"/>
-              <a:t>my results.</a:t>
-            </a:r>
-            <a:endParaRPr lang="en-US" sz="4400" dirty="0"/>
+              <a:t>I acquired a dataset published from a Portuguese high school that acquired data regarding that student’s attendance, their trimester grades, how many classes they failed, and  how much alcohol they consumed. It further cataloged personal information such as age, sex, parental education, and more. My goal is to see if, using alcohol consumption and absences, if I can predict if a student can fail. Many of these features are self reported scales 1-5, resulting in slightly inconsistent data which may explain my results.</a:t>
+            </a:r>
           </a:p>
         </p:txBody>
       </p:sp>
@@ -2257,13 +2252,29 @@
           </a:xfrm>
         </p:spPr>
         <p:txBody>
-          <a:bodyPr/>
+          <a:bodyPr>
+            <a:normAutofit fontScale="92500"/>
+          </a:bodyPr>
           <a:lstStyle/>
           <a:p>
             <a:r>
-              <a:rPr lang="en-US" dirty="0"/>
+              <a:rPr lang="en-US" dirty="0">
+                <a:hlinkClick r:id="rId5"/>
+              </a:rPr>
               <a:t>https://github.com/GabrielSolomonHolland/data-science-final</a:t>
             </a:r>
+            <a:endParaRPr lang="en-US" dirty="0"/>
+          </a:p>
+          <a:p>
+            <a:r>
+              <a:rPr lang="en-US" dirty="0"/>
+              <a:t>All graphs and charts are available on </a:t>
+            </a:r>
+            <a:r>
+              <a:rPr lang="en-US" dirty="0" err="1"/>
+              <a:t>github</a:t>
+            </a:r>
+            <a:endParaRPr lang="en-US" dirty="0"/>
           </a:p>
         </p:txBody>
       </p:sp>
@@ -2314,7 +2325,7 @@
           </p:nvPr>
         </p:nvPicPr>
         <p:blipFill rotWithShape="1">
-          <a:blip r:embed="rId5">
+          <a:blip r:embed="rId6">
             <a:extLst>
               <a:ext uri="{28A0092B-C50C-407E-A947-70E740481C1C}">
                 <a14:useLocalDpi xmlns:a14="http://schemas.microsoft.com/office/drawing/2010/main" val="0"/>
@@ -2492,7 +2503,15 @@
             </a:pPr>
             <a:r>
               <a:rPr lang="en-US" sz="4800" dirty="0"/>
-              <a:t>Seaborn and Matplotlib for graphs and charts, Scikit-learn for variety of machine learning algorithms</a:t>
+              <a:t>Seaborn and Matplotlib for graphs and charts, Scikit-learn for variety of machine learning algorithms. </a:t>
+            </a:r>
+            <a:r>
+              <a:rPr lang="en-US" sz="4800" dirty="0" err="1"/>
+              <a:t>Jupyter</a:t>
+            </a:r>
+            <a:r>
+              <a:rPr lang="en-US" sz="4800" dirty="0"/>
+              <a:t> notebooks are an environment to program in python</a:t>
             </a:r>
           </a:p>
         </p:txBody>
@@ -2503,41 +2522,6 @@
             <a:extLst>
               <a:ext uri="{FF2B5EF4-FFF2-40B4-BE49-F238E27FC236}">
                 <a16:creationId xmlns:a16="http://schemas.microsoft.com/office/drawing/2014/main" id="{42D12DB6-68E8-424B-8AED-2C41B606B1DF}"/>
-              </a:ext>
-            </a:extLst>
-          </p:cNvPr>
-          <p:cNvPicPr>
-            <a:picLocks noChangeAspect="1"/>
-          </p:cNvPicPr>
-          <p:nvPr/>
-        </p:nvPicPr>
-        <p:blipFill rotWithShape="1">
-          <a:blip r:embed="rId6">
-            <a:extLst>
-              <a:ext uri="{28A0092B-C50C-407E-A947-70E740481C1C}">
-                <a14:useLocalDpi xmlns:a14="http://schemas.microsoft.com/office/drawing/2010/main" val="0"/>
-              </a:ext>
-            </a:extLst>
-          </a:blip>
-          <a:srcRect l="9885" t="10719" r="14064" b="4369"/>
-          <a:stretch/>
-        </p:blipFill>
-        <p:spPr>
-          <a:xfrm>
-            <a:off x="21172933" y="14920022"/>
-            <a:ext cx="10632847" cy="11871742"/>
-          </a:xfrm>
-          <a:prstGeom prst="rect">
-            <a:avLst/>
-          </a:prstGeom>
-        </p:spPr>
-      </p:pic>
-      <p:pic>
-        <p:nvPicPr>
-          <p:cNvPr id="27" name="Picture 26" descr="Chart, bar chart&#10;&#10;Description automatically generated">
-            <a:extLst>
-              <a:ext uri="{FF2B5EF4-FFF2-40B4-BE49-F238E27FC236}">
-                <a16:creationId xmlns:a16="http://schemas.microsoft.com/office/drawing/2014/main" id="{3EF01801-7C78-42BA-97DB-ACB65E4B7831}"/>
               </a:ext>
             </a:extLst>
           </p:cNvPr>
@@ -2548,6 +2532,41 @@
         </p:nvPicPr>
         <p:blipFill rotWithShape="1">
           <a:blip r:embed="rId7">
+            <a:extLst>
+              <a:ext uri="{28A0092B-C50C-407E-A947-70E740481C1C}">
+                <a14:useLocalDpi xmlns:a14="http://schemas.microsoft.com/office/drawing/2010/main" val="0"/>
+              </a:ext>
+            </a:extLst>
+          </a:blip>
+          <a:srcRect l="9885" t="10719" r="14064" b="4369"/>
+          <a:stretch/>
+        </p:blipFill>
+        <p:spPr>
+          <a:xfrm>
+            <a:off x="21172933" y="14920022"/>
+            <a:ext cx="10632847" cy="11871742"/>
+          </a:xfrm>
+          <a:prstGeom prst="rect">
+            <a:avLst/>
+          </a:prstGeom>
+        </p:spPr>
+      </p:pic>
+      <p:pic>
+        <p:nvPicPr>
+          <p:cNvPr id="27" name="Picture 26" descr="Chart, bar chart&#10;&#10;Description automatically generated">
+            <a:extLst>
+              <a:ext uri="{FF2B5EF4-FFF2-40B4-BE49-F238E27FC236}">
+                <a16:creationId xmlns:a16="http://schemas.microsoft.com/office/drawing/2014/main" id="{3EF01801-7C78-42BA-97DB-ACB65E4B7831}"/>
+              </a:ext>
+            </a:extLst>
+          </p:cNvPr>
+          <p:cNvPicPr>
+            <a:picLocks noChangeAspect="1"/>
+          </p:cNvPicPr>
+          <p:nvPr/>
+        </p:nvPicPr>
+        <p:blipFill rotWithShape="1">
+          <a:blip r:embed="rId8">
             <a:extLst>
               <a:ext uri="{28A0092B-C50C-407E-A947-70E740481C1C}">
                 <a14:useLocalDpi xmlns:a14="http://schemas.microsoft.com/office/drawing/2010/main" val="0"/>
